--- a/docs/diagrams/StorageSequenceDiagram.pptx
+++ b/docs/diagrams/StorageSequenceDiagram.pptx
@@ -802,7 +802,7 @@
           <a:p>
             <a:fld id="{1A1E3181-4089-4178-A264-7BE145A909A0}" type="datetimeFigureOut">
               <a:rPr lang="en-SG" smtClean="0"/>
-              <a:t>10/11/2018</a:t>
+              <a:t>12/11/2018</a:t>
             </a:fld>
             <a:endParaRPr lang="en-SG"/>
           </a:p>
@@ -1002,7 +1002,7 @@
           <a:p>
             <a:fld id="{1A1E3181-4089-4178-A264-7BE145A909A0}" type="datetimeFigureOut">
               <a:rPr lang="en-SG" smtClean="0"/>
-              <a:t>10/11/2018</a:t>
+              <a:t>12/11/2018</a:t>
             </a:fld>
             <a:endParaRPr lang="en-SG"/>
           </a:p>
@@ -1212,7 +1212,7 @@
           <a:p>
             <a:fld id="{1A1E3181-4089-4178-A264-7BE145A909A0}" type="datetimeFigureOut">
               <a:rPr lang="en-SG" smtClean="0"/>
-              <a:t>10/11/2018</a:t>
+              <a:t>12/11/2018</a:t>
             </a:fld>
             <a:endParaRPr lang="en-SG"/>
           </a:p>
@@ -1412,7 +1412,7 @@
           <a:p>
             <a:fld id="{1A1E3181-4089-4178-A264-7BE145A909A0}" type="datetimeFigureOut">
               <a:rPr lang="en-SG" smtClean="0"/>
-              <a:t>10/11/2018</a:t>
+              <a:t>12/11/2018</a:t>
             </a:fld>
             <a:endParaRPr lang="en-SG"/>
           </a:p>
@@ -1688,7 +1688,7 @@
           <a:p>
             <a:fld id="{1A1E3181-4089-4178-A264-7BE145A909A0}" type="datetimeFigureOut">
               <a:rPr lang="en-SG" smtClean="0"/>
-              <a:t>10/11/2018</a:t>
+              <a:t>12/11/2018</a:t>
             </a:fld>
             <a:endParaRPr lang="en-SG"/>
           </a:p>
@@ -1956,7 +1956,7 @@
           <a:p>
             <a:fld id="{1A1E3181-4089-4178-A264-7BE145A909A0}" type="datetimeFigureOut">
               <a:rPr lang="en-SG" smtClean="0"/>
-              <a:t>10/11/2018</a:t>
+              <a:t>12/11/2018</a:t>
             </a:fld>
             <a:endParaRPr lang="en-SG"/>
           </a:p>
@@ -2371,7 +2371,7 @@
           <a:p>
             <a:fld id="{1A1E3181-4089-4178-A264-7BE145A909A0}" type="datetimeFigureOut">
               <a:rPr lang="en-SG" smtClean="0"/>
-              <a:t>10/11/2018</a:t>
+              <a:t>12/11/2018</a:t>
             </a:fld>
             <a:endParaRPr lang="en-SG"/>
           </a:p>
@@ -2513,7 +2513,7 @@
           <a:p>
             <a:fld id="{1A1E3181-4089-4178-A264-7BE145A909A0}" type="datetimeFigureOut">
               <a:rPr lang="en-SG" smtClean="0"/>
-              <a:t>10/11/2018</a:t>
+              <a:t>12/11/2018</a:t>
             </a:fld>
             <a:endParaRPr lang="en-SG"/>
           </a:p>
@@ -2626,7 +2626,7 @@
           <a:p>
             <a:fld id="{1A1E3181-4089-4178-A264-7BE145A909A0}" type="datetimeFigureOut">
               <a:rPr lang="en-SG" smtClean="0"/>
-              <a:t>10/11/2018</a:t>
+              <a:t>12/11/2018</a:t>
             </a:fld>
             <a:endParaRPr lang="en-SG"/>
           </a:p>
@@ -2939,7 +2939,7 @@
           <a:p>
             <a:fld id="{1A1E3181-4089-4178-A264-7BE145A909A0}" type="datetimeFigureOut">
               <a:rPr lang="en-SG" smtClean="0"/>
-              <a:t>10/11/2018</a:t>
+              <a:t>12/11/2018</a:t>
             </a:fld>
             <a:endParaRPr lang="en-SG"/>
           </a:p>
@@ -3228,7 +3228,7 @@
           <a:p>
             <a:fld id="{1A1E3181-4089-4178-A264-7BE145A909A0}" type="datetimeFigureOut">
               <a:rPr lang="en-SG" smtClean="0"/>
-              <a:t>10/11/2018</a:t>
+              <a:t>12/11/2018</a:t>
             </a:fld>
             <a:endParaRPr lang="en-SG"/>
           </a:p>
@@ -3471,7 +3471,7 @@
           <a:p>
             <a:fld id="{1A1E3181-4089-4178-A264-7BE145A909A0}" type="datetimeFigureOut">
               <a:rPr lang="en-SG" smtClean="0"/>
-              <a:t>10/11/2018</a:t>
+              <a:t>12/11/2018</a:t>
             </a:fld>
             <a:endParaRPr lang="en-SG"/>
           </a:p>
@@ -4715,9 +4715,9 @@
           <p:nvPr/>
         </p:nvCxnSpPr>
         <p:spPr>
-          <a:xfrm>
-            <a:off x="5457594" y="2317618"/>
-            <a:ext cx="1" cy="2117792"/>
+          <a:xfrm flipH="1">
+            <a:off x="5434001" y="2316794"/>
+            <a:ext cx="10911" cy="2793100"/>
           </a:xfrm>
           <a:prstGeom prst="line">
             <a:avLst/>
@@ -5364,8 +5364,8 @@
         </p:nvSpPr>
         <p:spPr>
           <a:xfrm>
-            <a:off x="5228326" y="4099524"/>
-            <a:ext cx="406880" cy="588369"/>
+            <a:off x="5199902" y="4825586"/>
+            <a:ext cx="418511" cy="584775"/>
           </a:xfrm>
           <a:prstGeom prst="rect">
             <a:avLst/>
